--- a/lab6/lab6.pptx
+++ b/lab6/lab6.pptx
@@ -5,7 +5,7 @@
     <p:sldMasterId id="2147483648" r:id="rId1"/>
   </p:sldMasterIdLst>
   <p:notesMasterIdLst>
-    <p:notesMasterId r:id="rId9"/>
+    <p:notesMasterId r:id="rId8"/>
   </p:notesMasterIdLst>
   <p:sldIdLst>
     <p:sldId id="329" r:id="rId2"/>
@@ -13,8 +13,7 @@
     <p:sldId id="357" r:id="rId4"/>
     <p:sldId id="358" r:id="rId5"/>
     <p:sldId id="359" r:id="rId6"/>
-    <p:sldId id="361" r:id="rId7"/>
-    <p:sldId id="322" r:id="rId8"/>
+    <p:sldId id="322" r:id="rId7"/>
   </p:sldIdLst>
   <p:sldSz cx="9144000" cy="5184775"/>
   <p:notesSz cx="6858000" cy="9144000"/>
@@ -244,7 +243,7 @@
           <a:p>
             <a:fld id="{3ABD9612-F53E-5945-9C8E-1F92400E66B2}" type="datetimeFigureOut">
               <a:rPr kumimoji="1" lang="zh-CN" altLang="en-US" smtClean="0"/>
-              <a:t>2025/5/22</a:t>
+              <a:t>2025/5/29</a:t>
             </a:fld>
             <a:endParaRPr kumimoji="1" lang="zh-CN" altLang="en-US"/>
           </a:p>
@@ -571,6 +570,90 @@
           <a:p>
             <a:fld id="{2B7208A1-D38D-C548-96DE-88E99097BFF9}" type="slidenum">
               <a:rPr kumimoji="1" lang="zh-CN" altLang="en-US" smtClean="0"/>
+              <a:t>3</a:t>
+            </a:fld>
+            <a:endParaRPr kumimoji="1" lang="zh-CN" altLang="en-US"/>
+          </a:p>
+        </p:txBody>
+      </p:sp>
+    </p:spTree>
+    <p:extLst>
+      <p:ext uri="{BB962C8B-B14F-4D97-AF65-F5344CB8AC3E}">
+        <p14:creationId xmlns:p14="http://schemas.microsoft.com/office/powerpoint/2010/main" val="2358660001"/>
+      </p:ext>
+    </p:extLst>
+  </p:cSld>
+  <p:clrMapOvr>
+    <a:masterClrMapping/>
+  </p:clrMapOvr>
+</p:notes>
+</file>
+
+<file path=ppt/notesSlides/notesSlide2.xml><?xml version="1.0" encoding="utf-8"?>
+<p:notes xmlns:a="http://schemas.openxmlformats.org/drawingml/2006/main" xmlns:r="http://schemas.openxmlformats.org/officeDocument/2006/relationships" xmlns:p="http://schemas.openxmlformats.org/presentationml/2006/main">
+  <p:cSld>
+    <p:spTree>
+      <p:nvGrpSpPr>
+        <p:cNvPr id="1" name=""/>
+        <p:cNvGrpSpPr/>
+        <p:nvPr/>
+      </p:nvGrpSpPr>
+      <p:grpSpPr>
+        <a:xfrm>
+          <a:off x="0" y="0"/>
+          <a:ext cx="0" cy="0"/>
+          <a:chOff x="0" y="0"/>
+          <a:chExt cx="0" cy="0"/>
+        </a:xfrm>
+      </p:grpSpPr>
+      <p:sp>
+        <p:nvSpPr>
+          <p:cNvPr id="2" name="幻灯片图像占位符 1"/>
+          <p:cNvSpPr>
+            <a:spLocks noGrp="1" noRot="1" noChangeAspect="1"/>
+          </p:cNvSpPr>
+          <p:nvPr>
+            <p:ph type="sldImg"/>
+          </p:nvPr>
+        </p:nvSpPr>
+        <p:spPr/>
+      </p:sp>
+      <p:sp>
+        <p:nvSpPr>
+          <p:cNvPr id="3" name="备注占位符 2"/>
+          <p:cNvSpPr>
+            <a:spLocks noGrp="1"/>
+          </p:cNvSpPr>
+          <p:nvPr>
+            <p:ph type="body" idx="1"/>
+          </p:nvPr>
+        </p:nvSpPr>
+        <p:spPr/>
+        <p:txBody>
+          <a:bodyPr/>
+          <a:lstStyle/>
+          <a:p>
+            <a:endParaRPr kumimoji="1" lang="zh-CN" altLang="en-US"/>
+          </a:p>
+        </p:txBody>
+      </p:sp>
+      <p:sp>
+        <p:nvSpPr>
+          <p:cNvPr id="4" name="灯片编号占位符 3"/>
+          <p:cNvSpPr>
+            <a:spLocks noGrp="1"/>
+          </p:cNvSpPr>
+          <p:nvPr>
+            <p:ph type="sldNum" sz="quarter" idx="5"/>
+          </p:nvPr>
+        </p:nvSpPr>
+        <p:spPr/>
+        <p:txBody>
+          <a:bodyPr/>
+          <a:lstStyle/>
+          <a:p>
+            <a:fld id="{2B7208A1-D38D-C548-96DE-88E99097BFF9}" type="slidenum">
+              <a:rPr kumimoji="1" lang="zh-CN" altLang="en-US" smtClean="0"/>
               <a:t>5</a:t>
             </a:fld>
             <a:endParaRPr kumimoji="1" lang="zh-CN" altLang="en-US"/>
@@ -721,7 +804,7 @@
           <a:p>
             <a:fld id="{77880EBC-1F4F-064A-BCDA-A8702FD7B152}" type="datetimeFigureOut">
               <a:rPr kumimoji="1" lang="zh-CN" altLang="en-US" smtClean="0"/>
-              <a:t>2025/5/22</a:t>
+              <a:t>2025/5/29</a:t>
             </a:fld>
             <a:endParaRPr kumimoji="1" lang="zh-CN" altLang="en-US"/>
           </a:p>
@@ -886,7 +969,7 @@
           <a:p>
             <a:fld id="{77880EBC-1F4F-064A-BCDA-A8702FD7B152}" type="datetimeFigureOut">
               <a:rPr kumimoji="1" lang="zh-CN" altLang="en-US" smtClean="0"/>
-              <a:t>2025/5/22</a:t>
+              <a:t>2025/5/29</a:t>
             </a:fld>
             <a:endParaRPr kumimoji="1" lang="zh-CN" altLang="en-US"/>
           </a:p>
@@ -1061,7 +1144,7 @@
           <a:p>
             <a:fld id="{77880EBC-1F4F-064A-BCDA-A8702FD7B152}" type="datetimeFigureOut">
               <a:rPr kumimoji="1" lang="zh-CN" altLang="en-US" smtClean="0"/>
-              <a:t>2025/5/22</a:t>
+              <a:t>2025/5/29</a:t>
             </a:fld>
             <a:endParaRPr kumimoji="1" lang="zh-CN" altLang="en-US"/>
           </a:p>
@@ -1226,7 +1309,7 @@
           <a:p>
             <a:fld id="{77880EBC-1F4F-064A-BCDA-A8702FD7B152}" type="datetimeFigureOut">
               <a:rPr kumimoji="1" lang="zh-CN" altLang="en-US" smtClean="0"/>
-              <a:t>2025/5/22</a:t>
+              <a:t>2025/5/29</a:t>
             </a:fld>
             <a:endParaRPr kumimoji="1" lang="zh-CN" altLang="en-US"/>
           </a:p>
@@ -1467,7 +1550,7 @@
           <a:p>
             <a:fld id="{77880EBC-1F4F-064A-BCDA-A8702FD7B152}" type="datetimeFigureOut">
               <a:rPr kumimoji="1" lang="zh-CN" altLang="en-US" smtClean="0"/>
-              <a:t>2025/5/22</a:t>
+              <a:t>2025/5/29</a:t>
             </a:fld>
             <a:endParaRPr kumimoji="1" lang="zh-CN" altLang="en-US"/>
           </a:p>
@@ -1694,7 +1777,7 @@
           <a:p>
             <a:fld id="{77880EBC-1F4F-064A-BCDA-A8702FD7B152}" type="datetimeFigureOut">
               <a:rPr kumimoji="1" lang="zh-CN" altLang="en-US" smtClean="0"/>
-              <a:t>2025/5/22</a:t>
+              <a:t>2025/5/29</a:t>
             </a:fld>
             <a:endParaRPr kumimoji="1" lang="zh-CN" altLang="en-US"/>
           </a:p>
@@ -2056,7 +2139,7 @@
           <a:p>
             <a:fld id="{77880EBC-1F4F-064A-BCDA-A8702FD7B152}" type="datetimeFigureOut">
               <a:rPr kumimoji="1" lang="zh-CN" altLang="en-US" smtClean="0"/>
-              <a:t>2025/5/22</a:t>
+              <a:t>2025/5/29</a:t>
             </a:fld>
             <a:endParaRPr kumimoji="1" lang="zh-CN" altLang="en-US"/>
           </a:p>
@@ -2169,7 +2252,7 @@
           <a:p>
             <a:fld id="{77880EBC-1F4F-064A-BCDA-A8702FD7B152}" type="datetimeFigureOut">
               <a:rPr kumimoji="1" lang="zh-CN" altLang="en-US" smtClean="0"/>
-              <a:t>2025/5/22</a:t>
+              <a:t>2025/5/29</a:t>
             </a:fld>
             <a:endParaRPr kumimoji="1" lang="zh-CN" altLang="en-US"/>
           </a:p>
@@ -2259,7 +2342,7 @@
           <a:p>
             <a:fld id="{77880EBC-1F4F-064A-BCDA-A8702FD7B152}" type="datetimeFigureOut">
               <a:rPr kumimoji="1" lang="zh-CN" altLang="en-US" smtClean="0"/>
-              <a:t>2025/5/22</a:t>
+              <a:t>2025/5/29</a:t>
             </a:fld>
             <a:endParaRPr kumimoji="1" lang="zh-CN" altLang="en-US"/>
           </a:p>
@@ -2531,7 +2614,7 @@
           <a:p>
             <a:fld id="{77880EBC-1F4F-064A-BCDA-A8702FD7B152}" type="datetimeFigureOut">
               <a:rPr kumimoji="1" lang="zh-CN" altLang="en-US" smtClean="0"/>
-              <a:t>2025/5/22</a:t>
+              <a:t>2025/5/29</a:t>
             </a:fld>
             <a:endParaRPr kumimoji="1" lang="zh-CN" altLang="en-US"/>
           </a:p>
@@ -2783,7 +2866,7 @@
           <a:p>
             <a:fld id="{77880EBC-1F4F-064A-BCDA-A8702FD7B152}" type="datetimeFigureOut">
               <a:rPr kumimoji="1" lang="zh-CN" altLang="en-US" smtClean="0"/>
-              <a:t>2025/5/22</a:t>
+              <a:t>2025/5/29</a:t>
             </a:fld>
             <a:endParaRPr kumimoji="1" lang="zh-CN" altLang="en-US"/>
           </a:p>
@@ -2991,7 +3074,7 @@
           <a:p>
             <a:fld id="{77880EBC-1F4F-064A-BCDA-A8702FD7B152}" type="datetimeFigureOut">
               <a:rPr kumimoji="1" lang="zh-CN" altLang="en-US" smtClean="0"/>
-              <a:t>2025/5/22</a:t>
+              <a:t>2025/5/29</a:t>
             </a:fld>
             <a:endParaRPr kumimoji="1" lang="zh-CN" altLang="en-US"/>
           </a:p>
@@ -3858,7 +3941,7 @@
         </p:nvSpPr>
         <p:spPr>
           <a:xfrm>
-            <a:off x="336243" y="1461906"/>
+            <a:off x="336243" y="1266700"/>
             <a:ext cx="8471514" cy="2122376"/>
           </a:xfrm>
           <a:prstGeom prst="rect">
@@ -4000,7 +4083,7 @@
                 </a:solidFill>
                 <a:latin typeface=".SF NS"/>
               </a:rPr>
-              <a:t>文档列表</a:t>
+              <a:t>文档列表。</a:t>
             </a:r>
             <a:br>
               <a:rPr lang="en-US" altLang="zh-CN" sz="1800" dirty="0">
@@ -4202,6 +4285,66 @@
           </a:p>
         </p:txBody>
       </p:sp>
+      <p:pic>
+        <p:nvPicPr>
+          <p:cNvPr id="2" name="内容占位符 4">
+            <a:extLst>
+              <a:ext uri="{FF2B5EF4-FFF2-40B4-BE49-F238E27FC236}">
+                <a16:creationId xmlns:a16="http://schemas.microsoft.com/office/drawing/2014/main" id="{A7D8BEA3-63D6-A5E3-ACA2-7ED5400F657A}"/>
+              </a:ext>
+            </a:extLst>
+          </p:cNvPr>
+          <p:cNvPicPr>
+            <a:picLocks noChangeAspect="1"/>
+          </p:cNvPicPr>
+          <p:nvPr/>
+        </p:nvPicPr>
+        <p:blipFill>
+          <a:blip r:embed="rId3"/>
+          <a:stretch>
+            <a:fillRect/>
+          </a:stretch>
+        </p:blipFill>
+        <p:spPr>
+          <a:xfrm>
+            <a:off x="5456835" y="3389075"/>
+            <a:ext cx="2452693" cy="1821307"/>
+          </a:xfrm>
+          <a:prstGeom prst="rect">
+            <a:avLst/>
+          </a:prstGeom>
+        </p:spPr>
+      </p:pic>
+      <p:pic>
+        <p:nvPicPr>
+          <p:cNvPr id="3" name="图片 2">
+            <a:extLst>
+              <a:ext uri="{FF2B5EF4-FFF2-40B4-BE49-F238E27FC236}">
+                <a16:creationId xmlns:a16="http://schemas.microsoft.com/office/drawing/2014/main" id="{4F101CD0-8B1B-DABE-DFE7-C1A5903EEEE4}"/>
+              </a:ext>
+            </a:extLst>
+          </p:cNvPr>
+          <p:cNvPicPr>
+            <a:picLocks noChangeAspect="1"/>
+          </p:cNvPicPr>
+          <p:nvPr/>
+        </p:nvPicPr>
+        <p:blipFill>
+          <a:blip r:embed="rId4"/>
+          <a:stretch>
+            <a:fillRect/>
+          </a:stretch>
+        </p:blipFill>
+        <p:spPr>
+          <a:xfrm>
+            <a:off x="1046831" y="3585679"/>
+            <a:ext cx="3688189" cy="1431885"/>
+          </a:xfrm>
+          <a:prstGeom prst="rect">
+            <a:avLst/>
+          </a:prstGeom>
+        </p:spPr>
+      </p:pic>
     </p:spTree>
     <p:extLst>
       <p:ext uri="{BB962C8B-B14F-4D97-AF65-F5344CB8AC3E}">
@@ -4825,7 +4968,7 @@
               <a:rPr lang="en-US" altLang="zh-CN" sz="1600">
                 <a:latin typeface="+mn-ea"/>
               </a:rPr>
-              <a:t>2025-06-04 23:59:59</a:t>
+              <a:t>2025-06-11 23:59:59</a:t>
             </a:r>
             <a:endParaRPr lang="en-US" altLang="zh-CN" sz="1600" dirty="0">
               <a:latin typeface="+mn-ea"/>
@@ -4860,289 +5003,6 @@
 </file>
 
 <file path=ppt/slides/slide6.xml><?xml version="1.0" encoding="utf-8"?>
-<p:sld xmlns:a="http://schemas.openxmlformats.org/drawingml/2006/main" xmlns:r="http://schemas.openxmlformats.org/officeDocument/2006/relationships" xmlns:p="http://schemas.openxmlformats.org/presentationml/2006/main">
-  <p:cSld>
-    <p:spTree>
-      <p:nvGrpSpPr>
-        <p:cNvPr id="1" name="">
-          <a:extLst>
-            <a:ext uri="{FF2B5EF4-FFF2-40B4-BE49-F238E27FC236}">
-              <a16:creationId xmlns:a16="http://schemas.microsoft.com/office/drawing/2014/main" id="{5CF2C78E-D9F6-0D1B-5FF9-162AE271DDB5}"/>
-            </a:ext>
-          </a:extLst>
-        </p:cNvPr>
-        <p:cNvGrpSpPr/>
-        <p:nvPr/>
-      </p:nvGrpSpPr>
-      <p:grpSpPr>
-        <a:xfrm>
-          <a:off x="0" y="0"/>
-          <a:ext cx="0" cy="0"/>
-          <a:chOff x="0" y="0"/>
-          <a:chExt cx="0" cy="0"/>
-        </a:xfrm>
-      </p:grpSpPr>
-      <p:sp>
-        <p:nvSpPr>
-          <p:cNvPr id="13" name="文本框 12">
-            <a:extLst>
-              <a:ext uri="{FF2B5EF4-FFF2-40B4-BE49-F238E27FC236}">
-                <a16:creationId xmlns:a16="http://schemas.microsoft.com/office/drawing/2014/main" id="{FC32BEB0-FF98-0AE4-1C4D-6DABEEC217FB}"/>
-              </a:ext>
-            </a:extLst>
-          </p:cNvPr>
-          <p:cNvSpPr txBox="1"/>
-          <p:nvPr/>
-        </p:nvSpPr>
-        <p:spPr>
-          <a:xfrm>
-            <a:off x="398166" y="715905"/>
-            <a:ext cx="4591526" cy="438133"/>
-          </a:xfrm>
-          <a:prstGeom prst="rect">
-            <a:avLst/>
-          </a:prstGeom>
-          <a:noFill/>
-        </p:spPr>
-        <p:txBody>
-          <a:bodyPr wrap="square" rtlCol="0">
-            <a:spAutoFit/>
-          </a:bodyPr>
-          <a:lstStyle/>
-          <a:p>
-            <a:pPr>
-              <a:lnSpc>
-                <a:spcPts val="2600"/>
-              </a:lnSpc>
-            </a:pPr>
-            <a:r>
-              <a:rPr kumimoji="1" lang="zh-CN" altLang="en-US" sz="2600" dirty="0">
-                <a:solidFill>
-                  <a:srgbClr val="A51E36"/>
-                </a:solidFill>
-                <a:latin typeface="兰亭黑-简 中黑" charset="-122"/>
-                <a:ea typeface="兰亭黑-简 中黑" charset="-122"/>
-                <a:cs typeface="Gotham Bold" charset="0"/>
-              </a:rPr>
-              <a:t>胜者表</a:t>
-            </a:r>
-            <a:endParaRPr kumimoji="1" lang="en-US" altLang="zh-CN" sz="2600" dirty="0">
-              <a:solidFill>
-                <a:srgbClr val="A51E36"/>
-              </a:solidFill>
-              <a:latin typeface="兰亭黑-简 中黑" charset="-122"/>
-              <a:ea typeface="兰亭黑-简 中黑" charset="-122"/>
-              <a:cs typeface="Gotham Bold" charset="0"/>
-            </a:endParaRPr>
-          </a:p>
-        </p:txBody>
-      </p:sp>
-      <p:sp>
-        <p:nvSpPr>
-          <p:cNvPr id="11" name="文本框 10">
-            <a:extLst>
-              <a:ext uri="{FF2B5EF4-FFF2-40B4-BE49-F238E27FC236}">
-                <a16:creationId xmlns:a16="http://schemas.microsoft.com/office/drawing/2014/main" id="{96A37364-2F4A-CDE3-652E-FEEA7358A857}"/>
-              </a:ext>
-            </a:extLst>
-          </p:cNvPr>
-          <p:cNvSpPr txBox="1"/>
-          <p:nvPr/>
-        </p:nvSpPr>
-        <p:spPr>
-          <a:xfrm>
-            <a:off x="336243" y="1461906"/>
-            <a:ext cx="8471514" cy="1291379"/>
-          </a:xfrm>
-          <a:prstGeom prst="rect">
-            <a:avLst/>
-          </a:prstGeom>
-          <a:noFill/>
-        </p:spPr>
-        <p:txBody>
-          <a:bodyPr wrap="square" rtlCol="0">
-            <a:spAutoFit/>
-          </a:bodyPr>
-          <a:lstStyle/>
-          <a:p>
-            <a:pPr>
-              <a:lnSpc>
-                <a:spcPct val="150000"/>
-              </a:lnSpc>
-            </a:pPr>
-            <a:r>
-              <a:rPr lang="zh-CN" altLang="en-US" sz="1800" dirty="0">
-                <a:solidFill>
-                  <a:srgbClr val="0E0E0E"/>
-                </a:solidFill>
-                <a:latin typeface=".SF NS"/>
-              </a:rPr>
-              <a:t>对倒排表中的每个词项，找到与该此项最相关的</a:t>
-            </a:r>
-            <a:r>
-              <a:rPr lang="en-US" altLang="zh-CN" sz="1800" dirty="0">
-                <a:solidFill>
-                  <a:srgbClr val="0E0E0E"/>
-                </a:solidFill>
-                <a:latin typeface=".SF NS"/>
-              </a:rPr>
-              <a:t>K</a:t>
-            </a:r>
-            <a:r>
-              <a:rPr lang="zh-CN" altLang="en-US" sz="1800" dirty="0">
-                <a:solidFill>
-                  <a:srgbClr val="0E0E0E"/>
-                </a:solidFill>
-                <a:latin typeface=".SF NS"/>
-              </a:rPr>
-              <a:t>个文档，然后在之后的查询中，对于每个词项只考虑</a:t>
-            </a:r>
-            <a:r>
-              <a:rPr lang="en-US" altLang="zh-CN" sz="1800" dirty="0">
-                <a:solidFill>
-                  <a:srgbClr val="0E0E0E"/>
-                </a:solidFill>
-                <a:latin typeface=".SF NS"/>
-              </a:rPr>
-              <a:t>K</a:t>
-            </a:r>
-            <a:r>
-              <a:rPr lang="zh-CN" altLang="en-US" sz="1800" dirty="0">
-                <a:solidFill>
-                  <a:srgbClr val="0E0E0E"/>
-                </a:solidFill>
-                <a:latin typeface=".SF NS"/>
-              </a:rPr>
-              <a:t>个打分最高的文档，即对于一个查询， 我们只需要在该查询包含的词项对应的 </a:t>
-            </a:r>
-            <a:r>
-              <a:rPr lang="en" altLang="zh-CN" sz="1800" dirty="0">
-                <a:solidFill>
-                  <a:srgbClr val="0E0E0E"/>
-                </a:solidFill>
-                <a:latin typeface=".SF NS"/>
-              </a:rPr>
-              <a:t>N* </a:t>
-            </a:r>
-            <a:r>
-              <a:rPr lang="en-US" altLang="zh-CN" sz="1800" dirty="0">
-                <a:solidFill>
-                  <a:srgbClr val="0E0E0E"/>
-                </a:solidFill>
-                <a:latin typeface=".SF NS"/>
-              </a:rPr>
-              <a:t>K</a:t>
-            </a:r>
-            <a:r>
-              <a:rPr lang="zh-CN" altLang="en-US" sz="1800" dirty="0">
-                <a:solidFill>
-                  <a:srgbClr val="0E0E0E"/>
-                </a:solidFill>
-                <a:latin typeface=".SF NS"/>
-              </a:rPr>
-              <a:t>个文档中选出</a:t>
-            </a:r>
-            <a:r>
-              <a:rPr lang="en-US" altLang="zh-CN" sz="1800" dirty="0">
-                <a:solidFill>
-                  <a:srgbClr val="0E0E0E"/>
-                </a:solidFill>
-                <a:latin typeface=".SF NS"/>
-              </a:rPr>
-              <a:t>T</a:t>
-            </a:r>
-            <a:r>
-              <a:rPr lang="en" altLang="zh-CN" sz="1800" dirty="0">
-                <a:solidFill>
-                  <a:srgbClr val="0E0E0E"/>
-                </a:solidFill>
-                <a:latin typeface=".SF NS"/>
-              </a:rPr>
-              <a:t>op</a:t>
-            </a:r>
-            <a:r>
-              <a:rPr lang="en-US" altLang="zh-CN" sz="1800" dirty="0">
-                <a:solidFill>
-                  <a:srgbClr val="0E0E0E"/>
-                </a:solidFill>
-                <a:latin typeface=".SF NS"/>
-              </a:rPr>
-              <a:t>-K</a:t>
-            </a:r>
-            <a:r>
-              <a:rPr lang="zh-CN" altLang="en-US" sz="1800" dirty="0">
-                <a:solidFill>
-                  <a:srgbClr val="0E0E0E"/>
-                </a:solidFill>
-                <a:latin typeface=".SF NS"/>
-              </a:rPr>
-              <a:t>即可，其中</a:t>
-            </a:r>
-            <a:r>
-              <a:rPr lang="en" altLang="zh-CN" sz="1800" dirty="0">
-                <a:solidFill>
-                  <a:srgbClr val="0E0E0E"/>
-                </a:solidFill>
-                <a:latin typeface=".SF NS"/>
-              </a:rPr>
-              <a:t>N</a:t>
-            </a:r>
-            <a:r>
-              <a:rPr lang="zh-CN" altLang="en-US" sz="1800" dirty="0">
-                <a:solidFill>
-                  <a:srgbClr val="0E0E0E"/>
-                </a:solidFill>
-                <a:latin typeface=".SF NS"/>
-              </a:rPr>
-              <a:t>为该查询包含的词项数目。</a:t>
-            </a:r>
-          </a:p>
-        </p:txBody>
-      </p:sp>
-      <p:pic>
-        <p:nvPicPr>
-          <p:cNvPr id="2" name="图片 1">
-            <a:extLst>
-              <a:ext uri="{FF2B5EF4-FFF2-40B4-BE49-F238E27FC236}">
-                <a16:creationId xmlns:a16="http://schemas.microsoft.com/office/drawing/2014/main" id="{528B7620-5562-9277-D9FF-28CE37CA147B}"/>
-              </a:ext>
-            </a:extLst>
-          </p:cNvPr>
-          <p:cNvPicPr>
-            <a:picLocks noChangeAspect="1"/>
-          </p:cNvPicPr>
-          <p:nvPr/>
-        </p:nvPicPr>
-        <p:blipFill>
-          <a:blip r:embed="rId2"/>
-          <a:stretch>
-            <a:fillRect/>
-          </a:stretch>
-        </p:blipFill>
-        <p:spPr>
-          <a:xfrm>
-            <a:off x="2768296" y="3061153"/>
-            <a:ext cx="4442791" cy="1724848"/>
-          </a:xfrm>
-          <a:prstGeom prst="rect">
-            <a:avLst/>
-          </a:prstGeom>
-        </p:spPr>
-      </p:pic>
-    </p:spTree>
-    <p:extLst>
-      <p:ext uri="{BB962C8B-B14F-4D97-AF65-F5344CB8AC3E}">
-        <p14:creationId xmlns:p14="http://schemas.microsoft.com/office/powerpoint/2010/main" val="1923745896"/>
-      </p:ext>
-    </p:extLst>
-  </p:cSld>
-  <p:clrMapOvr>
-    <a:masterClrMapping/>
-  </p:clrMapOvr>
-</p:sld>
-</file>
-
-<file path=ppt/slides/slide7.xml><?xml version="1.0" encoding="utf-8"?>
 <p:sld xmlns:a="http://schemas.openxmlformats.org/drawingml/2006/main" xmlns:r="http://schemas.openxmlformats.org/officeDocument/2006/relationships" xmlns:p="http://schemas.openxmlformats.org/presentationml/2006/main">
   <p:cSld>
     <p:spTree>
